--- a/Yahoo HitHub 등록하기.pptx
+++ b/Yahoo HitHub 등록하기.pptx
@@ -13,18 +13,19 @@
     <p:sldId id="269" r:id="rId7"/>
     <p:sldId id="270" r:id="rId8"/>
     <p:sldId id="274" r:id="rId9"/>
-    <p:sldId id="275" r:id="rId10"/>
-    <p:sldId id="267" r:id="rId11"/>
-    <p:sldId id="260" r:id="rId12"/>
-    <p:sldId id="259" r:id="rId13"/>
-    <p:sldId id="263" r:id="rId14"/>
-    <p:sldId id="264" r:id="rId15"/>
-    <p:sldId id="265" r:id="rId16"/>
-    <p:sldId id="262" r:id="rId17"/>
-    <p:sldId id="261" r:id="rId18"/>
-    <p:sldId id="271" r:id="rId19"/>
-    <p:sldId id="272" r:id="rId20"/>
-    <p:sldId id="273" r:id="rId21"/>
+    <p:sldId id="277" r:id="rId10"/>
+    <p:sldId id="275" r:id="rId11"/>
+    <p:sldId id="267" r:id="rId12"/>
+    <p:sldId id="260" r:id="rId13"/>
+    <p:sldId id="259" r:id="rId14"/>
+    <p:sldId id="263" r:id="rId15"/>
+    <p:sldId id="264" r:id="rId16"/>
+    <p:sldId id="265" r:id="rId17"/>
+    <p:sldId id="262" r:id="rId18"/>
+    <p:sldId id="261" r:id="rId19"/>
+    <p:sldId id="271" r:id="rId20"/>
+    <p:sldId id="272" r:id="rId21"/>
+    <p:sldId id="273" r:id="rId22"/>
   </p:sldIdLst>
   <p:sldSz cx="12192000" cy="6858000"/>
   <p:notesSz cx="6858000" cy="9144000"/>
@@ -3406,6 +3407,239 @@
         <p:cNvPr id="1" name="">
           <a:extLst>
             <a:ext uri="{FF2B5EF4-FFF2-40B4-BE49-F238E27FC236}">
+              <a16:creationId xmlns:a16="http://schemas.microsoft.com/office/drawing/2014/main" id="{FB27143E-3A35-1B22-037C-DF2CFB362A98}"/>
+            </a:ext>
+          </a:extLst>
+        </p:cNvPr>
+        <p:cNvGrpSpPr/>
+        <p:nvPr/>
+      </p:nvGrpSpPr>
+      <p:grpSpPr>
+        <a:xfrm>
+          <a:off x="0" y="0"/>
+          <a:ext cx="0" cy="0"/>
+          <a:chOff x="0" y="0"/>
+          <a:chExt cx="0" cy="0"/>
+        </a:xfrm>
+      </p:grpSpPr>
+      <p:pic>
+        <p:nvPicPr>
+          <p:cNvPr id="4" name="그림 3">
+            <a:extLst>
+              <a:ext uri="{FF2B5EF4-FFF2-40B4-BE49-F238E27FC236}">
+                <a16:creationId xmlns:a16="http://schemas.microsoft.com/office/drawing/2014/main" id="{375DB890-8A84-6BCC-7E39-300370A4A0D8}"/>
+              </a:ext>
+            </a:extLst>
+          </p:cNvPr>
+          <p:cNvPicPr>
+            <a:picLocks noChangeAspect="1"/>
+          </p:cNvPicPr>
+          <p:nvPr/>
+        </p:nvPicPr>
+        <p:blipFill>
+          <a:blip r:embed="rId2"/>
+          <a:stretch>
+            <a:fillRect/>
+          </a:stretch>
+        </p:blipFill>
+        <p:spPr>
+          <a:xfrm>
+            <a:off x="366258" y="3208335"/>
+            <a:ext cx="4086225" cy="5724525"/>
+          </a:xfrm>
+          <a:prstGeom prst="rect">
+            <a:avLst/>
+          </a:prstGeom>
+        </p:spPr>
+      </p:pic>
+      <p:sp>
+        <p:nvSpPr>
+          <p:cNvPr id="7" name="TextBox 6">
+            <a:extLst>
+              <a:ext uri="{FF2B5EF4-FFF2-40B4-BE49-F238E27FC236}">
+                <a16:creationId xmlns:a16="http://schemas.microsoft.com/office/drawing/2014/main" id="{664AE1AE-4E0C-83A7-6086-5A9B7ADAED19}"/>
+              </a:ext>
+            </a:extLst>
+          </p:cNvPr>
+          <p:cNvSpPr txBox="1"/>
+          <p:nvPr/>
+        </p:nvSpPr>
+        <p:spPr>
+          <a:xfrm>
+            <a:off x="235630" y="0"/>
+            <a:ext cx="8008484" cy="2862322"/>
+          </a:xfrm>
+          <a:prstGeom prst="rect">
+            <a:avLst/>
+          </a:prstGeom>
+          <a:noFill/>
+        </p:spPr>
+        <p:txBody>
+          <a:bodyPr wrap="square">
+            <a:spAutoFit/>
+          </a:bodyPr>
+          <a:lstStyle/>
+          <a:p>
+            <a:r>
+              <a:rPr lang="ko-KR" altLang="en-US" dirty="0"/>
+              <a:t>■ 서버실행을 위해서</a:t>
+            </a:r>
+            <a:r>
+              <a:rPr lang="en-US" altLang="ko-KR" dirty="0"/>
+              <a:t>, </a:t>
+            </a:r>
+            <a:r>
+              <a:rPr lang="ko-KR" altLang="en-US" dirty="0"/>
+              <a:t>늘 </a:t>
+            </a:r>
+            <a:r>
+              <a:rPr lang="en-US" altLang="ko-KR" dirty="0"/>
+              <a:t>Anaconda prompt</a:t>
+            </a:r>
+            <a:r>
+              <a:rPr lang="ko-KR" altLang="en-US" dirty="0"/>
+              <a:t>에서 실행해야 함</a:t>
+            </a:r>
+            <a:endParaRPr lang="en-US" altLang="ko-KR" dirty="0"/>
+          </a:p>
+          <a:p>
+            <a:endParaRPr lang="en-US" altLang="ko-KR" dirty="0"/>
+          </a:p>
+          <a:p>
+            <a:r>
+              <a:rPr lang="ko-KR" altLang="en-US" b="1" dirty="0" err="1"/>
+              <a:t>cd</a:t>
+            </a:r>
+            <a:r>
+              <a:rPr lang="ko-KR" altLang="en-US" b="1" dirty="0"/>
+              <a:t> C:\Users\toron\Desktop\cursor AI2</a:t>
+            </a:r>
+          </a:p>
+          <a:p>
+            <a:r>
+              <a:rPr lang="ko-KR" altLang="en-US" b="1" dirty="0" err="1"/>
+              <a:t>python</a:t>
+            </a:r>
+            <a:r>
+              <a:rPr lang="ko-KR" altLang="en-US" b="1" dirty="0"/>
+              <a:t> yahooserver.py</a:t>
+            </a:r>
+          </a:p>
+          <a:p>
+            <a:endParaRPr lang="ko-KR" altLang="en-US" b="1" dirty="0"/>
+          </a:p>
+          <a:p>
+            <a:r>
+              <a:rPr lang="ko-KR" altLang="en-US" b="1" dirty="0" err="1"/>
+              <a:t>cd</a:t>
+            </a:r>
+            <a:r>
+              <a:rPr lang="ko-KR" altLang="en-US" b="1" dirty="0"/>
+              <a:t> C:\Users\toron\Desktop\cursor AI2</a:t>
+            </a:r>
+          </a:p>
+          <a:p>
+            <a:r>
+              <a:rPr lang="ko-KR" altLang="en-US" b="1" dirty="0" err="1"/>
+              <a:t>node</a:t>
+            </a:r>
+            <a:r>
+              <a:rPr lang="ko-KR" altLang="en-US" b="1" dirty="0"/>
+              <a:t> server.js</a:t>
+            </a:r>
+          </a:p>
+          <a:p>
+            <a:endParaRPr lang="ko-KR" altLang="en-US" b="1" dirty="0"/>
+          </a:p>
+          <a:p>
+            <a:r>
+              <a:rPr lang="ko-KR" altLang="en-US" b="1" dirty="0" err="1"/>
+              <a:t>cd</a:t>
+            </a:r>
+            <a:r>
+              <a:rPr lang="ko-KR" altLang="en-US" b="1" dirty="0"/>
+              <a:t> C:\Users\toron\Desktop\cursor AI2</a:t>
+            </a:r>
+          </a:p>
+          <a:p>
+            <a:r>
+              <a:rPr lang="ko-KR" altLang="en-US" b="1" dirty="0" err="1"/>
+              <a:t>python</a:t>
+            </a:r>
+            <a:r>
+              <a:rPr lang="ko-KR" altLang="en-US" b="1" dirty="0"/>
+              <a:t> -</a:t>
+            </a:r>
+            <a:r>
+              <a:rPr lang="ko-KR" altLang="en-US" b="1" dirty="0" err="1"/>
+              <a:t>m</a:t>
+            </a:r>
+            <a:r>
+              <a:rPr lang="ko-KR" altLang="en-US" b="1" dirty="0"/>
+              <a:t> </a:t>
+            </a:r>
+            <a:r>
+              <a:rPr lang="ko-KR" altLang="en-US" b="1" dirty="0" err="1"/>
+              <a:t>http.server</a:t>
+            </a:r>
+            <a:r>
+              <a:rPr lang="ko-KR" altLang="en-US" b="1" dirty="0"/>
+              <a:t> 8000</a:t>
+            </a:r>
+          </a:p>
+        </p:txBody>
+      </p:sp>
+      <p:pic>
+        <p:nvPicPr>
+          <p:cNvPr id="13" name="그림 12">
+            <a:extLst>
+              <a:ext uri="{FF2B5EF4-FFF2-40B4-BE49-F238E27FC236}">
+                <a16:creationId xmlns:a16="http://schemas.microsoft.com/office/drawing/2014/main" id="{82CBCFC7-D7CF-A933-EE60-3BA46D91D756}"/>
+              </a:ext>
+            </a:extLst>
+          </p:cNvPr>
+          <p:cNvPicPr>
+            <a:picLocks noChangeAspect="1"/>
+          </p:cNvPicPr>
+          <p:nvPr/>
+        </p:nvPicPr>
+        <p:blipFill>
+          <a:blip r:embed="rId3"/>
+          <a:stretch>
+            <a:fillRect/>
+          </a:stretch>
+        </p:blipFill>
+        <p:spPr>
+          <a:xfrm>
+            <a:off x="5217230" y="1103086"/>
+            <a:ext cx="4370111" cy="6858000"/>
+          </a:xfrm>
+          <a:prstGeom prst="rect">
+            <a:avLst/>
+          </a:prstGeom>
+        </p:spPr>
+      </p:pic>
+    </p:spTree>
+    <p:extLst>
+      <p:ext uri="{BB962C8B-B14F-4D97-AF65-F5344CB8AC3E}">
+        <p14:creationId xmlns:p14="http://schemas.microsoft.com/office/powerpoint/2010/main" val="3512822713"/>
+      </p:ext>
+    </p:extLst>
+  </p:cSld>
+  <p:clrMapOvr>
+    <a:masterClrMapping/>
+  </p:clrMapOvr>
+</p:sld>
+</file>
+
+<file path=ppt/slides/slide11.xml><?xml version="1.0" encoding="utf-8"?>
+<p:sld xmlns:a="http://schemas.openxmlformats.org/drawingml/2006/main" xmlns:r="http://schemas.openxmlformats.org/officeDocument/2006/relationships" xmlns:p="http://schemas.openxmlformats.org/presentationml/2006/main">
+  <p:cSld>
+    <p:spTree>
+      <p:nvGrpSpPr>
+        <p:cNvPr id="1" name="">
+          <a:extLst>
+            <a:ext uri="{FF2B5EF4-FFF2-40B4-BE49-F238E27FC236}">
               <a16:creationId xmlns:a16="http://schemas.microsoft.com/office/drawing/2014/main" id="{37CADA59-DC16-A556-7787-B128735C519A}"/>
             </a:ext>
           </a:extLst>
@@ -3471,7 +3705,7 @@
 </p:sld>
 </file>
 
-<file path=ppt/slides/slide11.xml><?xml version="1.0" encoding="utf-8"?>
+<file path=ppt/slides/slide12.xml><?xml version="1.0" encoding="utf-8"?>
 <p:sld xmlns:a="http://schemas.openxmlformats.org/drawingml/2006/main" xmlns:r="http://schemas.openxmlformats.org/officeDocument/2006/relationships" xmlns:p="http://schemas.openxmlformats.org/presentationml/2006/main">
   <p:cSld>
     <p:spTree>
@@ -3627,7 +3861,7 @@
 </p:sld>
 </file>
 
-<file path=ppt/slides/slide12.xml><?xml version="1.0" encoding="utf-8"?>
+<file path=ppt/slides/slide13.xml><?xml version="1.0" encoding="utf-8"?>
 <p:sld xmlns:a="http://schemas.openxmlformats.org/drawingml/2006/main" xmlns:r="http://schemas.openxmlformats.org/officeDocument/2006/relationships" xmlns:p="http://schemas.openxmlformats.org/presentationml/2006/main">
   <p:cSld>
     <p:spTree>
@@ -3723,7 +3957,7 @@
 </p:sld>
 </file>
 
-<file path=ppt/slides/slide13.xml><?xml version="1.0" encoding="utf-8"?>
+<file path=ppt/slides/slide14.xml><?xml version="1.0" encoding="utf-8"?>
 <p:sld xmlns:a="http://schemas.openxmlformats.org/drawingml/2006/main" xmlns:r="http://schemas.openxmlformats.org/officeDocument/2006/relationships" xmlns:p="http://schemas.openxmlformats.org/presentationml/2006/main">
   <p:cSld>
     <p:spTree>
@@ -3819,7 +4053,7 @@
 </p:sld>
 </file>
 
-<file path=ppt/slides/slide14.xml><?xml version="1.0" encoding="utf-8"?>
+<file path=ppt/slides/slide15.xml><?xml version="1.0" encoding="utf-8"?>
 <p:sld xmlns:a="http://schemas.openxmlformats.org/drawingml/2006/main" xmlns:r="http://schemas.openxmlformats.org/officeDocument/2006/relationships" xmlns:p="http://schemas.openxmlformats.org/presentationml/2006/main">
   <p:cSld>
     <p:spTree>
@@ -3996,7 +4230,7 @@
 </p:sld>
 </file>
 
-<file path=ppt/slides/slide15.xml><?xml version="1.0" encoding="utf-8"?>
+<file path=ppt/slides/slide16.xml><?xml version="1.0" encoding="utf-8"?>
 <p:sld xmlns:a="http://schemas.openxmlformats.org/drawingml/2006/main" xmlns:r="http://schemas.openxmlformats.org/officeDocument/2006/relationships" xmlns:p="http://schemas.openxmlformats.org/presentationml/2006/main">
   <p:cSld>
     <p:spTree>
@@ -4062,7 +4296,7 @@
 </p:sld>
 </file>
 
-<file path=ppt/slides/slide16.xml><?xml version="1.0" encoding="utf-8"?>
+<file path=ppt/slides/slide17.xml><?xml version="1.0" encoding="utf-8"?>
 <p:sld xmlns:a="http://schemas.openxmlformats.org/drawingml/2006/main" xmlns:r="http://schemas.openxmlformats.org/officeDocument/2006/relationships" xmlns:p="http://schemas.openxmlformats.org/presentationml/2006/main">
   <p:cSld>
     <p:spTree>
@@ -4134,7 +4368,7 @@
 </p:sld>
 </file>
 
-<file path=ppt/slides/slide17.xml><?xml version="1.0" encoding="utf-8"?>
+<file path=ppt/slides/slide18.xml><?xml version="1.0" encoding="utf-8"?>
 <p:sld xmlns:a="http://schemas.openxmlformats.org/drawingml/2006/main" xmlns:r="http://schemas.openxmlformats.org/officeDocument/2006/relationships" xmlns:p="http://schemas.openxmlformats.org/presentationml/2006/main">
   <p:cSld>
     <p:spTree>
@@ -4230,7 +4464,7 @@
 </p:sld>
 </file>
 
-<file path=ppt/slides/slide18.xml><?xml version="1.0" encoding="utf-8"?>
+<file path=ppt/slides/slide19.xml><?xml version="1.0" encoding="utf-8"?>
 <p:sld xmlns:a="http://schemas.openxmlformats.org/drawingml/2006/main" xmlns:r="http://schemas.openxmlformats.org/officeDocument/2006/relationships" xmlns:p="http://schemas.openxmlformats.org/presentationml/2006/main">
   <p:cSld>
     <p:spTree>
@@ -4347,326 +4581,6 @@
     <p:extLst>
       <p:ext uri="{BB962C8B-B14F-4D97-AF65-F5344CB8AC3E}">
         <p14:creationId xmlns:p14="http://schemas.microsoft.com/office/powerpoint/2010/main" val="1535168002"/>
-      </p:ext>
-    </p:extLst>
-  </p:cSld>
-  <p:clrMapOvr>
-    <a:masterClrMapping/>
-  </p:clrMapOvr>
-</p:sld>
-</file>
-
-<file path=ppt/slides/slide19.xml><?xml version="1.0" encoding="utf-8"?>
-<p:sld xmlns:a="http://schemas.openxmlformats.org/drawingml/2006/main" xmlns:r="http://schemas.openxmlformats.org/officeDocument/2006/relationships" xmlns:p="http://schemas.openxmlformats.org/presentationml/2006/main">
-  <p:cSld>
-    <p:spTree>
-      <p:nvGrpSpPr>
-        <p:cNvPr id="1" name="">
-          <a:extLst>
-            <a:ext uri="{FF2B5EF4-FFF2-40B4-BE49-F238E27FC236}">
-              <a16:creationId xmlns:a16="http://schemas.microsoft.com/office/drawing/2014/main" id="{4DF617A7-BE68-2FFF-0BA2-103E5CED1FCF}"/>
-            </a:ext>
-          </a:extLst>
-        </p:cNvPr>
-        <p:cNvGrpSpPr/>
-        <p:nvPr/>
-      </p:nvGrpSpPr>
-      <p:grpSpPr>
-        <a:xfrm>
-          <a:off x="0" y="0"/>
-          <a:ext cx="0" cy="0"/>
-          <a:chOff x="0" y="0"/>
-          <a:chExt cx="0" cy="0"/>
-        </a:xfrm>
-      </p:grpSpPr>
-      <p:pic>
-        <p:nvPicPr>
-          <p:cNvPr id="3" name="그림 2">
-            <a:extLst>
-              <a:ext uri="{FF2B5EF4-FFF2-40B4-BE49-F238E27FC236}">
-                <a16:creationId xmlns:a16="http://schemas.microsoft.com/office/drawing/2014/main" id="{37EF2E8E-FB0F-CB5E-8378-C9C3A0BB34EC}"/>
-              </a:ext>
-            </a:extLst>
-          </p:cNvPr>
-          <p:cNvPicPr>
-            <a:picLocks noChangeAspect="1"/>
-          </p:cNvPicPr>
-          <p:nvPr/>
-        </p:nvPicPr>
-        <p:blipFill>
-          <a:blip r:embed="rId2"/>
-          <a:stretch>
-            <a:fillRect/>
-          </a:stretch>
-        </p:blipFill>
-        <p:spPr>
-          <a:xfrm>
-            <a:off x="247650" y="365125"/>
-            <a:ext cx="5848350" cy="5314950"/>
-          </a:xfrm>
-          <a:prstGeom prst="rect">
-            <a:avLst/>
-          </a:prstGeom>
-        </p:spPr>
-      </p:pic>
-      <p:pic>
-        <p:nvPicPr>
-          <p:cNvPr id="5" name="그림 4">
-            <a:extLst>
-              <a:ext uri="{FF2B5EF4-FFF2-40B4-BE49-F238E27FC236}">
-                <a16:creationId xmlns:a16="http://schemas.microsoft.com/office/drawing/2014/main" id="{8F60558F-A615-7288-FD0F-8BD0363B6424}"/>
-              </a:ext>
-            </a:extLst>
-          </p:cNvPr>
-          <p:cNvPicPr>
-            <a:picLocks noChangeAspect="1"/>
-          </p:cNvPicPr>
-          <p:nvPr/>
-        </p:nvPicPr>
-        <p:blipFill>
-          <a:blip r:embed="rId3"/>
-          <a:stretch>
-            <a:fillRect/>
-          </a:stretch>
-        </p:blipFill>
-        <p:spPr>
-          <a:xfrm>
-            <a:off x="6270171" y="365125"/>
-            <a:ext cx="4381500" cy="5476875"/>
-          </a:xfrm>
-          <a:prstGeom prst="rect">
-            <a:avLst/>
-          </a:prstGeom>
-        </p:spPr>
-      </p:pic>
-      <p:sp>
-        <p:nvSpPr>
-          <p:cNvPr id="7" name="TextBox 6">
-            <a:extLst>
-              <a:ext uri="{FF2B5EF4-FFF2-40B4-BE49-F238E27FC236}">
-                <a16:creationId xmlns:a16="http://schemas.microsoft.com/office/drawing/2014/main" id="{71AD4369-5BB2-FDDF-431F-3121F3E1C0AD}"/>
-              </a:ext>
-            </a:extLst>
-          </p:cNvPr>
-          <p:cNvSpPr txBox="1"/>
-          <p:nvPr/>
-        </p:nvSpPr>
-        <p:spPr>
-          <a:xfrm>
-            <a:off x="7213600" y="1941677"/>
-            <a:ext cx="3730171" cy="276999"/>
-          </a:xfrm>
-          <a:prstGeom prst="rect">
-            <a:avLst/>
-          </a:prstGeom>
-          <a:noFill/>
-        </p:spPr>
-        <p:txBody>
-          <a:bodyPr wrap="square">
-            <a:spAutoFit/>
-          </a:bodyPr>
-          <a:lstStyle/>
-          <a:p>
-            <a:r>
-              <a:rPr lang="ko-KR" altLang="en-US" sz="1200" dirty="0" err="1">
-                <a:solidFill>
-                  <a:schemeClr val="bg1"/>
-                </a:solidFill>
-              </a:rPr>
-              <a:t>git</a:t>
-            </a:r>
-            <a:r>
-              <a:rPr lang="ko-KR" altLang="en-US" sz="1200" dirty="0">
-                <a:solidFill>
-                  <a:schemeClr val="bg1"/>
-                </a:solidFill>
-              </a:rPr>
-              <a:t> </a:t>
-            </a:r>
-            <a:r>
-              <a:rPr lang="ko-KR" altLang="en-US" sz="1200" dirty="0" err="1">
-                <a:solidFill>
-                  <a:schemeClr val="bg1"/>
-                </a:solidFill>
-              </a:rPr>
-              <a:t>pull</a:t>
-            </a:r>
-            <a:r>
-              <a:rPr lang="ko-KR" altLang="en-US" sz="1200" dirty="0">
-                <a:solidFill>
-                  <a:schemeClr val="bg1"/>
-                </a:solidFill>
-              </a:rPr>
-              <a:t> </a:t>
-            </a:r>
-            <a:r>
-              <a:rPr lang="ko-KR" altLang="en-US" sz="1200" dirty="0" err="1">
-                <a:solidFill>
-                  <a:schemeClr val="bg1"/>
-                </a:solidFill>
-              </a:rPr>
-              <a:t>origin</a:t>
-            </a:r>
-            <a:r>
-              <a:rPr lang="ko-KR" altLang="en-US" sz="1200" dirty="0">
-                <a:solidFill>
-                  <a:schemeClr val="bg1"/>
-                </a:solidFill>
-              </a:rPr>
-              <a:t> </a:t>
-            </a:r>
-            <a:r>
-              <a:rPr lang="ko-KR" altLang="en-US" sz="1200" dirty="0" err="1">
-                <a:solidFill>
-                  <a:schemeClr val="bg1"/>
-                </a:solidFill>
-              </a:rPr>
-              <a:t>main</a:t>
-            </a:r>
-            <a:r>
-              <a:rPr lang="ko-KR" altLang="en-US" sz="1200" dirty="0">
-                <a:solidFill>
-                  <a:schemeClr val="bg1"/>
-                </a:solidFill>
-              </a:rPr>
-              <a:t> --</a:t>
-            </a:r>
-            <a:r>
-              <a:rPr lang="ko-KR" altLang="en-US" sz="1200" dirty="0" err="1">
-                <a:solidFill>
-                  <a:schemeClr val="bg1"/>
-                </a:solidFill>
-              </a:rPr>
-              <a:t>allow-unrelated-histories</a:t>
-            </a:r>
-            <a:endParaRPr lang="ko-KR" altLang="en-US" sz="1200" dirty="0">
-              <a:solidFill>
-                <a:schemeClr val="bg1"/>
-              </a:solidFill>
-            </a:endParaRPr>
-          </a:p>
-        </p:txBody>
-      </p:sp>
-      <p:sp>
-        <p:nvSpPr>
-          <p:cNvPr id="9" name="TextBox 8">
-            <a:extLst>
-              <a:ext uri="{FF2B5EF4-FFF2-40B4-BE49-F238E27FC236}">
-                <a16:creationId xmlns:a16="http://schemas.microsoft.com/office/drawing/2014/main" id="{461CC146-4635-ACC2-76B7-BC7C3F12FB40}"/>
-              </a:ext>
-            </a:extLst>
-          </p:cNvPr>
-          <p:cNvSpPr txBox="1"/>
-          <p:nvPr/>
-        </p:nvSpPr>
-        <p:spPr>
-          <a:xfrm>
-            <a:off x="8460921" y="5033220"/>
-            <a:ext cx="1960336" cy="276999"/>
-          </a:xfrm>
-          <a:prstGeom prst="rect">
-            <a:avLst/>
-          </a:prstGeom>
-          <a:noFill/>
-        </p:spPr>
-        <p:txBody>
-          <a:bodyPr wrap="square">
-            <a:spAutoFit/>
-          </a:bodyPr>
-          <a:lstStyle/>
-          <a:p>
-            <a:r>
-              <a:rPr lang="ko-KR" altLang="en-US" sz="1200" dirty="0">
-                <a:solidFill>
-                  <a:schemeClr val="bg1"/>
-                </a:solidFill>
-              </a:rPr>
-              <a:t> </a:t>
-            </a:r>
-            <a:r>
-              <a:rPr lang="ko-KR" altLang="en-US" sz="1200" dirty="0" err="1">
-                <a:solidFill>
-                  <a:schemeClr val="bg1"/>
-                </a:solidFill>
-              </a:rPr>
-              <a:t>git</a:t>
-            </a:r>
-            <a:r>
-              <a:rPr lang="ko-KR" altLang="en-US" sz="1200" dirty="0">
-                <a:solidFill>
-                  <a:schemeClr val="bg1"/>
-                </a:solidFill>
-              </a:rPr>
-              <a:t> </a:t>
-            </a:r>
-            <a:r>
-              <a:rPr lang="ko-KR" altLang="en-US" sz="1200" dirty="0" err="1">
-                <a:solidFill>
-                  <a:schemeClr val="bg1"/>
-                </a:solidFill>
-              </a:rPr>
-              <a:t>push</a:t>
-            </a:r>
-            <a:r>
-              <a:rPr lang="ko-KR" altLang="en-US" sz="1200" dirty="0">
-                <a:solidFill>
-                  <a:schemeClr val="bg1"/>
-                </a:solidFill>
-              </a:rPr>
-              <a:t> -</a:t>
-            </a:r>
-            <a:r>
-              <a:rPr lang="ko-KR" altLang="en-US" sz="1200" dirty="0" err="1">
-                <a:solidFill>
-                  <a:schemeClr val="bg1"/>
-                </a:solidFill>
-              </a:rPr>
-              <a:t>u</a:t>
-            </a:r>
-            <a:r>
-              <a:rPr lang="ko-KR" altLang="en-US" sz="1200" dirty="0">
-                <a:solidFill>
-                  <a:schemeClr val="bg1"/>
-                </a:solidFill>
-              </a:rPr>
-              <a:t> </a:t>
-            </a:r>
-            <a:r>
-              <a:rPr lang="ko-KR" altLang="en-US" sz="1200" dirty="0" err="1">
-                <a:solidFill>
-                  <a:schemeClr val="bg1"/>
-                </a:solidFill>
-              </a:rPr>
-              <a:t>origin</a:t>
-            </a:r>
-            <a:r>
-              <a:rPr lang="ko-KR" altLang="en-US" sz="1200" dirty="0">
-                <a:solidFill>
-                  <a:schemeClr val="bg1"/>
-                </a:solidFill>
-              </a:rPr>
-              <a:t> </a:t>
-            </a:r>
-            <a:r>
-              <a:rPr lang="ko-KR" altLang="en-US" sz="1200" dirty="0" err="1">
-                <a:solidFill>
-                  <a:schemeClr val="bg1"/>
-                </a:solidFill>
-              </a:rPr>
-              <a:t>main</a:t>
-            </a:r>
-            <a:endParaRPr lang="ko-KR" altLang="en-US" sz="1200" dirty="0">
-              <a:solidFill>
-                <a:schemeClr val="bg1"/>
-              </a:solidFill>
-            </a:endParaRPr>
-          </a:p>
-        </p:txBody>
-      </p:sp>
-    </p:spTree>
-    <p:extLst>
-      <p:ext uri="{BB962C8B-B14F-4D97-AF65-F5344CB8AC3E}">
-        <p14:creationId xmlns:p14="http://schemas.microsoft.com/office/powerpoint/2010/main" val="2385954399"/>
       </p:ext>
     </p:extLst>
   </p:cSld>
@@ -5070,6 +4984,326 @@
 </file>
 
 <file path=ppt/slides/slide20.xml><?xml version="1.0" encoding="utf-8"?>
+<p:sld xmlns:a="http://schemas.openxmlformats.org/drawingml/2006/main" xmlns:r="http://schemas.openxmlformats.org/officeDocument/2006/relationships" xmlns:p="http://schemas.openxmlformats.org/presentationml/2006/main">
+  <p:cSld>
+    <p:spTree>
+      <p:nvGrpSpPr>
+        <p:cNvPr id="1" name="">
+          <a:extLst>
+            <a:ext uri="{FF2B5EF4-FFF2-40B4-BE49-F238E27FC236}">
+              <a16:creationId xmlns:a16="http://schemas.microsoft.com/office/drawing/2014/main" id="{4DF617A7-BE68-2FFF-0BA2-103E5CED1FCF}"/>
+            </a:ext>
+          </a:extLst>
+        </p:cNvPr>
+        <p:cNvGrpSpPr/>
+        <p:nvPr/>
+      </p:nvGrpSpPr>
+      <p:grpSpPr>
+        <a:xfrm>
+          <a:off x="0" y="0"/>
+          <a:ext cx="0" cy="0"/>
+          <a:chOff x="0" y="0"/>
+          <a:chExt cx="0" cy="0"/>
+        </a:xfrm>
+      </p:grpSpPr>
+      <p:pic>
+        <p:nvPicPr>
+          <p:cNvPr id="3" name="그림 2">
+            <a:extLst>
+              <a:ext uri="{FF2B5EF4-FFF2-40B4-BE49-F238E27FC236}">
+                <a16:creationId xmlns:a16="http://schemas.microsoft.com/office/drawing/2014/main" id="{37EF2E8E-FB0F-CB5E-8378-C9C3A0BB34EC}"/>
+              </a:ext>
+            </a:extLst>
+          </p:cNvPr>
+          <p:cNvPicPr>
+            <a:picLocks noChangeAspect="1"/>
+          </p:cNvPicPr>
+          <p:nvPr/>
+        </p:nvPicPr>
+        <p:blipFill>
+          <a:blip r:embed="rId2"/>
+          <a:stretch>
+            <a:fillRect/>
+          </a:stretch>
+        </p:blipFill>
+        <p:spPr>
+          <a:xfrm>
+            <a:off x="247650" y="365125"/>
+            <a:ext cx="5848350" cy="5314950"/>
+          </a:xfrm>
+          <a:prstGeom prst="rect">
+            <a:avLst/>
+          </a:prstGeom>
+        </p:spPr>
+      </p:pic>
+      <p:pic>
+        <p:nvPicPr>
+          <p:cNvPr id="5" name="그림 4">
+            <a:extLst>
+              <a:ext uri="{FF2B5EF4-FFF2-40B4-BE49-F238E27FC236}">
+                <a16:creationId xmlns:a16="http://schemas.microsoft.com/office/drawing/2014/main" id="{8F60558F-A615-7288-FD0F-8BD0363B6424}"/>
+              </a:ext>
+            </a:extLst>
+          </p:cNvPr>
+          <p:cNvPicPr>
+            <a:picLocks noChangeAspect="1"/>
+          </p:cNvPicPr>
+          <p:nvPr/>
+        </p:nvPicPr>
+        <p:blipFill>
+          <a:blip r:embed="rId3"/>
+          <a:stretch>
+            <a:fillRect/>
+          </a:stretch>
+        </p:blipFill>
+        <p:spPr>
+          <a:xfrm>
+            <a:off x="6270171" y="365125"/>
+            <a:ext cx="4381500" cy="5476875"/>
+          </a:xfrm>
+          <a:prstGeom prst="rect">
+            <a:avLst/>
+          </a:prstGeom>
+        </p:spPr>
+      </p:pic>
+      <p:sp>
+        <p:nvSpPr>
+          <p:cNvPr id="7" name="TextBox 6">
+            <a:extLst>
+              <a:ext uri="{FF2B5EF4-FFF2-40B4-BE49-F238E27FC236}">
+                <a16:creationId xmlns:a16="http://schemas.microsoft.com/office/drawing/2014/main" id="{71AD4369-5BB2-FDDF-431F-3121F3E1C0AD}"/>
+              </a:ext>
+            </a:extLst>
+          </p:cNvPr>
+          <p:cNvSpPr txBox="1"/>
+          <p:nvPr/>
+        </p:nvSpPr>
+        <p:spPr>
+          <a:xfrm>
+            <a:off x="7213600" y="1941677"/>
+            <a:ext cx="3730171" cy="276999"/>
+          </a:xfrm>
+          <a:prstGeom prst="rect">
+            <a:avLst/>
+          </a:prstGeom>
+          <a:noFill/>
+        </p:spPr>
+        <p:txBody>
+          <a:bodyPr wrap="square">
+            <a:spAutoFit/>
+          </a:bodyPr>
+          <a:lstStyle/>
+          <a:p>
+            <a:r>
+              <a:rPr lang="ko-KR" altLang="en-US" sz="1200" dirty="0" err="1">
+                <a:solidFill>
+                  <a:schemeClr val="bg1"/>
+                </a:solidFill>
+              </a:rPr>
+              <a:t>git</a:t>
+            </a:r>
+            <a:r>
+              <a:rPr lang="ko-KR" altLang="en-US" sz="1200" dirty="0">
+                <a:solidFill>
+                  <a:schemeClr val="bg1"/>
+                </a:solidFill>
+              </a:rPr>
+              <a:t> </a:t>
+            </a:r>
+            <a:r>
+              <a:rPr lang="ko-KR" altLang="en-US" sz="1200" dirty="0" err="1">
+                <a:solidFill>
+                  <a:schemeClr val="bg1"/>
+                </a:solidFill>
+              </a:rPr>
+              <a:t>pull</a:t>
+            </a:r>
+            <a:r>
+              <a:rPr lang="ko-KR" altLang="en-US" sz="1200" dirty="0">
+                <a:solidFill>
+                  <a:schemeClr val="bg1"/>
+                </a:solidFill>
+              </a:rPr>
+              <a:t> </a:t>
+            </a:r>
+            <a:r>
+              <a:rPr lang="ko-KR" altLang="en-US" sz="1200" dirty="0" err="1">
+                <a:solidFill>
+                  <a:schemeClr val="bg1"/>
+                </a:solidFill>
+              </a:rPr>
+              <a:t>origin</a:t>
+            </a:r>
+            <a:r>
+              <a:rPr lang="ko-KR" altLang="en-US" sz="1200" dirty="0">
+                <a:solidFill>
+                  <a:schemeClr val="bg1"/>
+                </a:solidFill>
+              </a:rPr>
+              <a:t> </a:t>
+            </a:r>
+            <a:r>
+              <a:rPr lang="ko-KR" altLang="en-US" sz="1200" dirty="0" err="1">
+                <a:solidFill>
+                  <a:schemeClr val="bg1"/>
+                </a:solidFill>
+              </a:rPr>
+              <a:t>main</a:t>
+            </a:r>
+            <a:r>
+              <a:rPr lang="ko-KR" altLang="en-US" sz="1200" dirty="0">
+                <a:solidFill>
+                  <a:schemeClr val="bg1"/>
+                </a:solidFill>
+              </a:rPr>
+              <a:t> --</a:t>
+            </a:r>
+            <a:r>
+              <a:rPr lang="ko-KR" altLang="en-US" sz="1200" dirty="0" err="1">
+                <a:solidFill>
+                  <a:schemeClr val="bg1"/>
+                </a:solidFill>
+              </a:rPr>
+              <a:t>allow-unrelated-histories</a:t>
+            </a:r>
+            <a:endParaRPr lang="ko-KR" altLang="en-US" sz="1200" dirty="0">
+              <a:solidFill>
+                <a:schemeClr val="bg1"/>
+              </a:solidFill>
+            </a:endParaRPr>
+          </a:p>
+        </p:txBody>
+      </p:sp>
+      <p:sp>
+        <p:nvSpPr>
+          <p:cNvPr id="9" name="TextBox 8">
+            <a:extLst>
+              <a:ext uri="{FF2B5EF4-FFF2-40B4-BE49-F238E27FC236}">
+                <a16:creationId xmlns:a16="http://schemas.microsoft.com/office/drawing/2014/main" id="{461CC146-4635-ACC2-76B7-BC7C3F12FB40}"/>
+              </a:ext>
+            </a:extLst>
+          </p:cNvPr>
+          <p:cNvSpPr txBox="1"/>
+          <p:nvPr/>
+        </p:nvSpPr>
+        <p:spPr>
+          <a:xfrm>
+            <a:off x="8460921" y="5033220"/>
+            <a:ext cx="1960336" cy="276999"/>
+          </a:xfrm>
+          <a:prstGeom prst="rect">
+            <a:avLst/>
+          </a:prstGeom>
+          <a:noFill/>
+        </p:spPr>
+        <p:txBody>
+          <a:bodyPr wrap="square">
+            <a:spAutoFit/>
+          </a:bodyPr>
+          <a:lstStyle/>
+          <a:p>
+            <a:r>
+              <a:rPr lang="ko-KR" altLang="en-US" sz="1200" dirty="0">
+                <a:solidFill>
+                  <a:schemeClr val="bg1"/>
+                </a:solidFill>
+              </a:rPr>
+              <a:t> </a:t>
+            </a:r>
+            <a:r>
+              <a:rPr lang="ko-KR" altLang="en-US" sz="1200" dirty="0" err="1">
+                <a:solidFill>
+                  <a:schemeClr val="bg1"/>
+                </a:solidFill>
+              </a:rPr>
+              <a:t>git</a:t>
+            </a:r>
+            <a:r>
+              <a:rPr lang="ko-KR" altLang="en-US" sz="1200" dirty="0">
+                <a:solidFill>
+                  <a:schemeClr val="bg1"/>
+                </a:solidFill>
+              </a:rPr>
+              <a:t> </a:t>
+            </a:r>
+            <a:r>
+              <a:rPr lang="ko-KR" altLang="en-US" sz="1200" dirty="0" err="1">
+                <a:solidFill>
+                  <a:schemeClr val="bg1"/>
+                </a:solidFill>
+              </a:rPr>
+              <a:t>push</a:t>
+            </a:r>
+            <a:r>
+              <a:rPr lang="ko-KR" altLang="en-US" sz="1200" dirty="0">
+                <a:solidFill>
+                  <a:schemeClr val="bg1"/>
+                </a:solidFill>
+              </a:rPr>
+              <a:t> -</a:t>
+            </a:r>
+            <a:r>
+              <a:rPr lang="ko-KR" altLang="en-US" sz="1200" dirty="0" err="1">
+                <a:solidFill>
+                  <a:schemeClr val="bg1"/>
+                </a:solidFill>
+              </a:rPr>
+              <a:t>u</a:t>
+            </a:r>
+            <a:r>
+              <a:rPr lang="ko-KR" altLang="en-US" sz="1200" dirty="0">
+                <a:solidFill>
+                  <a:schemeClr val="bg1"/>
+                </a:solidFill>
+              </a:rPr>
+              <a:t> </a:t>
+            </a:r>
+            <a:r>
+              <a:rPr lang="ko-KR" altLang="en-US" sz="1200" dirty="0" err="1">
+                <a:solidFill>
+                  <a:schemeClr val="bg1"/>
+                </a:solidFill>
+              </a:rPr>
+              <a:t>origin</a:t>
+            </a:r>
+            <a:r>
+              <a:rPr lang="ko-KR" altLang="en-US" sz="1200" dirty="0">
+                <a:solidFill>
+                  <a:schemeClr val="bg1"/>
+                </a:solidFill>
+              </a:rPr>
+              <a:t> </a:t>
+            </a:r>
+            <a:r>
+              <a:rPr lang="ko-KR" altLang="en-US" sz="1200" dirty="0" err="1">
+                <a:solidFill>
+                  <a:schemeClr val="bg1"/>
+                </a:solidFill>
+              </a:rPr>
+              <a:t>main</a:t>
+            </a:r>
+            <a:endParaRPr lang="ko-KR" altLang="en-US" sz="1200" dirty="0">
+              <a:solidFill>
+                <a:schemeClr val="bg1"/>
+              </a:solidFill>
+            </a:endParaRPr>
+          </a:p>
+        </p:txBody>
+      </p:sp>
+    </p:spTree>
+    <p:extLst>
+      <p:ext uri="{BB962C8B-B14F-4D97-AF65-F5344CB8AC3E}">
+        <p14:creationId xmlns:p14="http://schemas.microsoft.com/office/powerpoint/2010/main" val="2385954399"/>
+      </p:ext>
+    </p:extLst>
+  </p:cSld>
+  <p:clrMapOvr>
+    <a:masterClrMapping/>
+  </p:clrMapOvr>
+</p:sld>
+</file>
+
+<file path=ppt/slides/slide21.xml><?xml version="1.0" encoding="utf-8"?>
 <p:sld xmlns:a="http://schemas.openxmlformats.org/drawingml/2006/main" xmlns:r="http://schemas.openxmlformats.org/officeDocument/2006/relationships" xmlns:p="http://schemas.openxmlformats.org/presentationml/2006/main">
   <p:cSld>
     <p:spTree>
@@ -6205,12 +6439,208 @@
           </a:prstGeom>
         </p:spPr>
       </p:pic>
+      <p:sp>
+        <p:nvSpPr>
+          <p:cNvPr id="10" name="TextBox 9">
+            <a:extLst>
+              <a:ext uri="{FF2B5EF4-FFF2-40B4-BE49-F238E27FC236}">
+                <a16:creationId xmlns:a16="http://schemas.microsoft.com/office/drawing/2014/main" id="{E8A28A49-DD49-A268-631B-C67FE09E1C79}"/>
+              </a:ext>
+            </a:extLst>
+          </p:cNvPr>
+          <p:cNvSpPr txBox="1"/>
+          <p:nvPr/>
+        </p:nvSpPr>
+        <p:spPr>
+          <a:xfrm>
+            <a:off x="2002972" y="1555297"/>
+            <a:ext cx="2641599" cy="1384995"/>
+          </a:xfrm>
+          <a:prstGeom prst="rect">
+            <a:avLst/>
+          </a:prstGeom>
+          <a:noFill/>
+        </p:spPr>
+        <p:txBody>
+          <a:bodyPr wrap="square">
+            <a:spAutoFit/>
+          </a:bodyPr>
+          <a:lstStyle/>
+          <a:p>
+            <a:r>
+              <a:rPr lang="ko-KR" altLang="en-US" sz="1200" dirty="0" err="1">
+                <a:solidFill>
+                  <a:schemeClr val="bg1"/>
+                </a:solidFill>
+              </a:rPr>
+              <a:t>git</a:t>
+            </a:r>
+            <a:r>
+              <a:rPr lang="ko-KR" altLang="en-US" sz="1200" dirty="0">
+                <a:solidFill>
+                  <a:schemeClr val="bg1"/>
+                </a:solidFill>
+              </a:rPr>
+              <a:t> </a:t>
+            </a:r>
+            <a:r>
+              <a:rPr lang="ko-KR" altLang="en-US" sz="1200" dirty="0" err="1">
+                <a:solidFill>
+                  <a:schemeClr val="bg1"/>
+                </a:solidFill>
+              </a:rPr>
+              <a:t>add</a:t>
+            </a:r>
+            <a:r>
+              <a:rPr lang="ko-KR" altLang="en-US" sz="1200" dirty="0">
+                <a:solidFill>
+                  <a:schemeClr val="bg1"/>
+                </a:solidFill>
+              </a:rPr>
+              <a:t> .</a:t>
+            </a:r>
+          </a:p>
+          <a:p>
+            <a:endParaRPr lang="ko-KR" altLang="en-US" sz="1200" dirty="0">
+              <a:solidFill>
+                <a:schemeClr val="bg1"/>
+              </a:solidFill>
+            </a:endParaRPr>
+          </a:p>
+          <a:p>
+            <a:r>
+              <a:rPr lang="ko-KR" altLang="en-US" sz="1200" dirty="0" err="1">
+                <a:solidFill>
+                  <a:schemeClr val="bg1"/>
+                </a:solidFill>
+              </a:rPr>
+              <a:t>git</a:t>
+            </a:r>
+            <a:r>
+              <a:rPr lang="ko-KR" altLang="en-US" sz="1200" dirty="0">
+                <a:solidFill>
+                  <a:schemeClr val="bg1"/>
+                </a:solidFill>
+              </a:rPr>
+              <a:t> </a:t>
+            </a:r>
+            <a:r>
+              <a:rPr lang="ko-KR" altLang="en-US" sz="1200" dirty="0" err="1">
+                <a:solidFill>
+                  <a:schemeClr val="bg1"/>
+                </a:solidFill>
+              </a:rPr>
+              <a:t>commit</a:t>
+            </a:r>
+            <a:r>
+              <a:rPr lang="ko-KR" altLang="en-US" sz="1200" dirty="0">
+                <a:solidFill>
+                  <a:schemeClr val="bg1"/>
+                </a:solidFill>
+              </a:rPr>
+              <a:t> -</a:t>
+            </a:r>
+            <a:r>
+              <a:rPr lang="ko-KR" altLang="en-US" sz="1200" dirty="0" err="1">
+                <a:solidFill>
+                  <a:schemeClr val="bg1"/>
+                </a:solidFill>
+              </a:rPr>
+              <a:t>m</a:t>
+            </a:r>
+            <a:r>
+              <a:rPr lang="ko-KR" altLang="en-US" sz="1200" dirty="0">
+                <a:solidFill>
+                  <a:schemeClr val="bg1"/>
+                </a:solidFill>
+              </a:rPr>
+              <a:t> "변경 내용 설명"</a:t>
+            </a:r>
+          </a:p>
+          <a:p>
+            <a:endParaRPr lang="ko-KR" altLang="en-US" sz="1200" dirty="0">
+              <a:solidFill>
+                <a:schemeClr val="bg1"/>
+              </a:solidFill>
+            </a:endParaRPr>
+          </a:p>
+          <a:p>
+            <a:r>
+              <a:rPr lang="ko-KR" altLang="en-US" sz="1200" dirty="0" err="1">
+                <a:solidFill>
+                  <a:schemeClr val="bg1"/>
+                </a:solidFill>
+              </a:rPr>
+              <a:t>git</a:t>
+            </a:r>
+            <a:r>
+              <a:rPr lang="ko-KR" altLang="en-US" sz="1200" dirty="0">
+                <a:solidFill>
+                  <a:schemeClr val="bg1"/>
+                </a:solidFill>
+              </a:rPr>
+              <a:t> </a:t>
+            </a:r>
+            <a:r>
+              <a:rPr lang="ko-KR" altLang="en-US" sz="1200" dirty="0" err="1">
+                <a:solidFill>
+                  <a:schemeClr val="bg1"/>
+                </a:solidFill>
+              </a:rPr>
+              <a:t>push</a:t>
+            </a:r>
+            <a:endParaRPr lang="ko-KR" altLang="en-US" sz="1200" dirty="0">
+              <a:solidFill>
+                <a:schemeClr val="bg1"/>
+              </a:solidFill>
+            </a:endParaRPr>
+          </a:p>
+          <a:p>
+            <a:endParaRPr lang="ko-KR" altLang="en-US" sz="1200" dirty="0">
+              <a:solidFill>
+                <a:schemeClr val="bg1"/>
+              </a:solidFill>
+            </a:endParaRPr>
+          </a:p>
+          <a:p>
+            <a:r>
+              <a:rPr lang="ko-KR" altLang="en-US" sz="1200" dirty="0" err="1">
+                <a:solidFill>
+                  <a:schemeClr val="bg1"/>
+                </a:solidFill>
+              </a:rPr>
+              <a:t>git</a:t>
+            </a:r>
+            <a:r>
+              <a:rPr lang="ko-KR" altLang="en-US" sz="1200" dirty="0">
+                <a:solidFill>
+                  <a:schemeClr val="bg1"/>
+                </a:solidFill>
+              </a:rPr>
+              <a:t> </a:t>
+            </a:r>
+            <a:r>
+              <a:rPr lang="ko-KR" altLang="en-US" sz="1200" dirty="0" err="1">
+                <a:solidFill>
+                  <a:schemeClr val="bg1"/>
+                </a:solidFill>
+              </a:rPr>
+              <a:t>pull</a:t>
+            </a:r>
+            <a:endParaRPr lang="ko-KR" altLang="en-US" sz="1200" dirty="0">
+              <a:solidFill>
+                <a:schemeClr val="bg1"/>
+              </a:solidFill>
+            </a:endParaRPr>
+          </a:p>
+        </p:txBody>
+      </p:sp>
       <p:pic>
         <p:nvPicPr>
-          <p:cNvPr id="6" name="그림 5">
-            <a:extLst>
-              <a:ext uri="{FF2B5EF4-FFF2-40B4-BE49-F238E27FC236}">
-                <a16:creationId xmlns:a16="http://schemas.microsoft.com/office/drawing/2014/main" id="{394C61DD-DEA5-94ED-B8A5-87E7362FE248}"/>
+          <p:cNvPr id="4" name="그림 3">
+            <a:extLst>
+              <a:ext uri="{FF2B5EF4-FFF2-40B4-BE49-F238E27FC236}">
+                <a16:creationId xmlns:a16="http://schemas.microsoft.com/office/drawing/2014/main" id="{3BFD7532-3A83-D377-5236-13F9806F138F}"/>
               </a:ext>
             </a:extLst>
           </p:cNvPr>
@@ -6227,216 +6657,20 @@
         </p:blipFill>
         <p:spPr>
           <a:xfrm>
-            <a:off x="4858656" y="597353"/>
-            <a:ext cx="5029200" cy="5010150"/>
+            <a:off x="193447" y="5302703"/>
+            <a:ext cx="3486150" cy="1162050"/>
           </a:xfrm>
           <a:prstGeom prst="rect">
             <a:avLst/>
           </a:prstGeom>
         </p:spPr>
       </p:pic>
-      <p:sp>
-        <p:nvSpPr>
-          <p:cNvPr id="10" name="TextBox 9">
-            <a:extLst>
-              <a:ext uri="{FF2B5EF4-FFF2-40B4-BE49-F238E27FC236}">
-                <a16:creationId xmlns:a16="http://schemas.microsoft.com/office/drawing/2014/main" id="{E8A28A49-DD49-A268-631B-C67FE09E1C79}"/>
-              </a:ext>
-            </a:extLst>
-          </p:cNvPr>
-          <p:cNvSpPr txBox="1"/>
-          <p:nvPr/>
-        </p:nvSpPr>
-        <p:spPr>
-          <a:xfrm>
-            <a:off x="2002972" y="1555297"/>
-            <a:ext cx="2641599" cy="1384995"/>
-          </a:xfrm>
-          <a:prstGeom prst="rect">
-            <a:avLst/>
-          </a:prstGeom>
-          <a:noFill/>
-        </p:spPr>
-        <p:txBody>
-          <a:bodyPr wrap="square">
-            <a:spAutoFit/>
-          </a:bodyPr>
-          <a:lstStyle/>
-          <a:p>
-            <a:r>
-              <a:rPr lang="ko-KR" altLang="en-US" sz="1200" dirty="0" err="1">
-                <a:solidFill>
-                  <a:schemeClr val="bg1"/>
-                </a:solidFill>
-              </a:rPr>
-              <a:t>git</a:t>
-            </a:r>
-            <a:r>
-              <a:rPr lang="ko-KR" altLang="en-US" sz="1200" dirty="0">
-                <a:solidFill>
-                  <a:schemeClr val="bg1"/>
-                </a:solidFill>
-              </a:rPr>
-              <a:t> </a:t>
-            </a:r>
-            <a:r>
-              <a:rPr lang="ko-KR" altLang="en-US" sz="1200" dirty="0" err="1">
-                <a:solidFill>
-                  <a:schemeClr val="bg1"/>
-                </a:solidFill>
-              </a:rPr>
-              <a:t>add</a:t>
-            </a:r>
-            <a:r>
-              <a:rPr lang="ko-KR" altLang="en-US" sz="1200" dirty="0">
-                <a:solidFill>
-                  <a:schemeClr val="bg1"/>
-                </a:solidFill>
-              </a:rPr>
-              <a:t> .</a:t>
-            </a:r>
-          </a:p>
-          <a:p>
-            <a:endParaRPr lang="ko-KR" altLang="en-US" sz="1200" dirty="0">
-              <a:solidFill>
-                <a:schemeClr val="bg1"/>
-              </a:solidFill>
-            </a:endParaRPr>
-          </a:p>
-          <a:p>
-            <a:r>
-              <a:rPr lang="ko-KR" altLang="en-US" sz="1200" dirty="0" err="1">
-                <a:solidFill>
-                  <a:schemeClr val="bg1"/>
-                </a:solidFill>
-              </a:rPr>
-              <a:t>git</a:t>
-            </a:r>
-            <a:r>
-              <a:rPr lang="ko-KR" altLang="en-US" sz="1200" dirty="0">
-                <a:solidFill>
-                  <a:schemeClr val="bg1"/>
-                </a:solidFill>
-              </a:rPr>
-              <a:t> </a:t>
-            </a:r>
-            <a:r>
-              <a:rPr lang="ko-KR" altLang="en-US" sz="1200" dirty="0" err="1">
-                <a:solidFill>
-                  <a:schemeClr val="bg1"/>
-                </a:solidFill>
-              </a:rPr>
-              <a:t>commit</a:t>
-            </a:r>
-            <a:r>
-              <a:rPr lang="ko-KR" altLang="en-US" sz="1200" dirty="0">
-                <a:solidFill>
-                  <a:schemeClr val="bg1"/>
-                </a:solidFill>
-              </a:rPr>
-              <a:t> -</a:t>
-            </a:r>
-            <a:r>
-              <a:rPr lang="ko-KR" altLang="en-US" sz="1200" dirty="0" err="1">
-                <a:solidFill>
-                  <a:schemeClr val="bg1"/>
-                </a:solidFill>
-              </a:rPr>
-              <a:t>m</a:t>
-            </a:r>
-            <a:r>
-              <a:rPr lang="ko-KR" altLang="en-US" sz="1200" dirty="0">
-                <a:solidFill>
-                  <a:schemeClr val="bg1"/>
-                </a:solidFill>
-              </a:rPr>
-              <a:t> "변경 내용 설명"</a:t>
-            </a:r>
-          </a:p>
-          <a:p>
-            <a:endParaRPr lang="ko-KR" altLang="en-US" sz="1200" dirty="0">
-              <a:solidFill>
-                <a:schemeClr val="bg1"/>
-              </a:solidFill>
-            </a:endParaRPr>
-          </a:p>
-          <a:p>
-            <a:r>
-              <a:rPr lang="ko-KR" altLang="en-US" sz="1200" dirty="0" err="1">
-                <a:solidFill>
-                  <a:schemeClr val="bg1"/>
-                </a:solidFill>
-              </a:rPr>
-              <a:t>git</a:t>
-            </a:r>
-            <a:r>
-              <a:rPr lang="ko-KR" altLang="en-US" sz="1200" dirty="0">
-                <a:solidFill>
-                  <a:schemeClr val="bg1"/>
-                </a:solidFill>
-              </a:rPr>
-              <a:t> </a:t>
-            </a:r>
-            <a:r>
-              <a:rPr lang="ko-KR" altLang="en-US" sz="1200" dirty="0" err="1">
-                <a:solidFill>
-                  <a:schemeClr val="bg1"/>
-                </a:solidFill>
-              </a:rPr>
-              <a:t>push</a:t>
-            </a:r>
-            <a:endParaRPr lang="ko-KR" altLang="en-US" sz="1200" dirty="0">
-              <a:solidFill>
-                <a:schemeClr val="bg1"/>
-              </a:solidFill>
-            </a:endParaRPr>
-          </a:p>
-          <a:p>
-            <a:endParaRPr lang="ko-KR" altLang="en-US" sz="1200" dirty="0">
-              <a:solidFill>
-                <a:schemeClr val="bg1"/>
-              </a:solidFill>
-            </a:endParaRPr>
-          </a:p>
-          <a:p>
-            <a:r>
-              <a:rPr lang="ko-KR" altLang="en-US" sz="1200" dirty="0" err="1">
-                <a:solidFill>
-                  <a:schemeClr val="bg1"/>
-                </a:solidFill>
-              </a:rPr>
-              <a:t>git</a:t>
-            </a:r>
-            <a:r>
-              <a:rPr lang="ko-KR" altLang="en-US" sz="1200" dirty="0">
-                <a:solidFill>
-                  <a:schemeClr val="bg1"/>
-                </a:solidFill>
-              </a:rPr>
-              <a:t> </a:t>
-            </a:r>
-            <a:r>
-              <a:rPr lang="ko-KR" altLang="en-US" sz="1200" dirty="0" err="1">
-                <a:solidFill>
-                  <a:schemeClr val="bg1"/>
-                </a:solidFill>
-              </a:rPr>
-              <a:t>pull</a:t>
-            </a:r>
-            <a:endParaRPr lang="ko-KR" altLang="en-US" sz="1200" dirty="0">
-              <a:solidFill>
-                <a:schemeClr val="bg1"/>
-              </a:solidFill>
-            </a:endParaRPr>
-          </a:p>
-        </p:txBody>
-      </p:sp>
       <p:grpSp>
         <p:nvGrpSpPr>
-          <p:cNvPr id="15" name="그룹 14">
-            <a:extLst>
-              <a:ext uri="{FF2B5EF4-FFF2-40B4-BE49-F238E27FC236}">
-                <a16:creationId xmlns:a16="http://schemas.microsoft.com/office/drawing/2014/main" id="{75DC52AF-6E49-007B-56BA-6DDDAF0DFC17}"/>
+          <p:cNvPr id="11" name="그룹 10">
+            <a:extLst>
+              <a:ext uri="{FF2B5EF4-FFF2-40B4-BE49-F238E27FC236}">
+                <a16:creationId xmlns:a16="http://schemas.microsoft.com/office/drawing/2014/main" id="{BEF55AB8-FC78-1973-7EF1-935BE4252FEA}"/>
               </a:ext>
             </a:extLst>
           </p:cNvPr>
@@ -6445,18 +6679,18 @@
         </p:nvGrpSpPr>
         <p:grpSpPr>
           <a:xfrm>
-            <a:off x="10101941" y="597353"/>
-            <a:ext cx="4848225" cy="7620000"/>
-            <a:chOff x="10101941" y="597353"/>
-            <a:chExt cx="4848225" cy="7620000"/>
+            <a:off x="4644571" y="597353"/>
+            <a:ext cx="4800600" cy="8572500"/>
+            <a:chOff x="193447" y="6464753"/>
+            <a:chExt cx="4800600" cy="8572500"/>
           </a:xfrm>
         </p:grpSpPr>
         <p:pic>
           <p:nvPicPr>
-            <p:cNvPr id="12" name="그림 11">
+            <p:cNvPr id="7" name="그림 6">
               <a:extLst>
                 <a:ext uri="{FF2B5EF4-FFF2-40B4-BE49-F238E27FC236}">
-                  <a16:creationId xmlns:a16="http://schemas.microsoft.com/office/drawing/2014/main" id="{2C444384-AC0D-95A3-51DF-0F6A3137A23B}"/>
+                  <a16:creationId xmlns:a16="http://schemas.microsoft.com/office/drawing/2014/main" id="{2171390B-497F-3DE1-B6B5-27CD23048493}"/>
                 </a:ext>
               </a:extLst>
             </p:cNvPr>
@@ -6473,8 +6707,8 @@
           </p:blipFill>
           <p:spPr>
             <a:xfrm>
-              <a:off x="10101941" y="597353"/>
-              <a:ext cx="4848225" cy="5391150"/>
+              <a:off x="193447" y="6464753"/>
+              <a:ext cx="4800600" cy="5867400"/>
             </a:xfrm>
             <a:prstGeom prst="rect">
               <a:avLst/>
@@ -6483,10 +6717,10 @@
         </p:pic>
         <p:pic>
           <p:nvPicPr>
-            <p:cNvPr id="14" name="그림 13">
+            <p:cNvPr id="9" name="그림 8">
               <a:extLst>
                 <a:ext uri="{FF2B5EF4-FFF2-40B4-BE49-F238E27FC236}">
-                  <a16:creationId xmlns:a16="http://schemas.microsoft.com/office/drawing/2014/main" id="{495EF36B-2F46-B9AD-9E62-3AE6740AEFF0}"/>
+                  <a16:creationId xmlns:a16="http://schemas.microsoft.com/office/drawing/2014/main" id="{CA9F55BD-883C-C1CA-E977-0371A4A4A30F}"/>
                 </a:ext>
               </a:extLst>
             </p:cNvPr>
@@ -6503,8 +6737,8 @@
           </p:blipFill>
           <p:spPr>
             <a:xfrm>
-              <a:off x="10101941" y="5988503"/>
-              <a:ext cx="3886200" cy="2228850"/>
+              <a:off x="193447" y="12332153"/>
+              <a:ext cx="3743325" cy="2705100"/>
             </a:xfrm>
             <a:prstGeom prst="rect">
               <a:avLst/>
@@ -6533,7 +6767,7 @@
         <p:cNvPr id="1" name="">
           <a:extLst>
             <a:ext uri="{FF2B5EF4-FFF2-40B4-BE49-F238E27FC236}">
-              <a16:creationId xmlns:a16="http://schemas.microsoft.com/office/drawing/2014/main" id="{FB27143E-3A35-1B22-037C-DF2CFB362A98}"/>
+              <a16:creationId xmlns:a16="http://schemas.microsoft.com/office/drawing/2014/main" id="{CE7DBC6A-B73C-6FA1-3D61-C5FE30BE6611}"/>
             </a:ext>
           </a:extLst>
         </p:cNvPr>
@@ -6550,10 +6784,10 @@
       </p:grpSpPr>
       <p:pic>
         <p:nvPicPr>
-          <p:cNvPr id="4" name="그림 3">
-            <a:extLst>
-              <a:ext uri="{FF2B5EF4-FFF2-40B4-BE49-F238E27FC236}">
-                <a16:creationId xmlns:a16="http://schemas.microsoft.com/office/drawing/2014/main" id="{375DB890-8A84-6BCC-7E39-300370A4A0D8}"/>
+          <p:cNvPr id="6" name="그림 5">
+            <a:extLst>
+              <a:ext uri="{FF2B5EF4-FFF2-40B4-BE49-F238E27FC236}">
+                <a16:creationId xmlns:a16="http://schemas.microsoft.com/office/drawing/2014/main" id="{C67B97FA-6406-5A3E-2997-BFECBF53ABAE}"/>
               </a:ext>
             </a:extLst>
           </p:cNvPr>
@@ -6570,185 +6804,99 @@
         </p:blipFill>
         <p:spPr>
           <a:xfrm>
-            <a:off x="366258" y="3208335"/>
-            <a:ext cx="4086225" cy="5724525"/>
+            <a:off x="463637" y="597353"/>
+            <a:ext cx="5029200" cy="5010150"/>
           </a:xfrm>
           <a:prstGeom prst="rect">
             <a:avLst/>
           </a:prstGeom>
         </p:spPr>
       </p:pic>
-      <p:sp>
-        <p:nvSpPr>
-          <p:cNvPr id="7" name="TextBox 6">
-            <a:extLst>
-              <a:ext uri="{FF2B5EF4-FFF2-40B4-BE49-F238E27FC236}">
-                <a16:creationId xmlns:a16="http://schemas.microsoft.com/office/drawing/2014/main" id="{664AE1AE-4E0C-83A7-6086-5A9B7ADAED19}"/>
-              </a:ext>
-            </a:extLst>
-          </p:cNvPr>
-          <p:cNvSpPr txBox="1"/>
+      <p:grpSp>
+        <p:nvGrpSpPr>
+          <p:cNvPr id="15" name="그룹 14">
+            <a:extLst>
+              <a:ext uri="{FF2B5EF4-FFF2-40B4-BE49-F238E27FC236}">
+                <a16:creationId xmlns:a16="http://schemas.microsoft.com/office/drawing/2014/main" id="{6F8D2981-2920-84DA-844E-98BEF03DFE87}"/>
+              </a:ext>
+            </a:extLst>
+          </p:cNvPr>
+          <p:cNvGrpSpPr/>
           <p:nvPr/>
-        </p:nvSpPr>
-        <p:spPr>
-          <a:xfrm>
-            <a:off x="235630" y="0"/>
-            <a:ext cx="8008484" cy="2862322"/>
-          </a:xfrm>
-          <a:prstGeom prst="rect">
-            <a:avLst/>
-          </a:prstGeom>
-          <a:noFill/>
-        </p:spPr>
-        <p:txBody>
-          <a:bodyPr wrap="square">
-            <a:spAutoFit/>
-          </a:bodyPr>
-          <a:lstStyle/>
-          <a:p>
-            <a:r>
-              <a:rPr lang="ko-KR" altLang="en-US" dirty="0"/>
-              <a:t>■ 서버실행을 위해서</a:t>
-            </a:r>
-            <a:r>
-              <a:rPr lang="en-US" altLang="ko-KR" dirty="0"/>
-              <a:t>, </a:t>
-            </a:r>
-            <a:r>
-              <a:rPr lang="ko-KR" altLang="en-US" dirty="0"/>
-              <a:t>늘 </a:t>
-            </a:r>
-            <a:r>
-              <a:rPr lang="en-US" altLang="ko-KR" dirty="0"/>
-              <a:t>Anaconda prompt</a:t>
-            </a:r>
-            <a:r>
-              <a:rPr lang="ko-KR" altLang="en-US" dirty="0"/>
-              <a:t>에서 실행해야 함</a:t>
-            </a:r>
-            <a:endParaRPr lang="en-US" altLang="ko-KR" dirty="0"/>
-          </a:p>
-          <a:p>
-            <a:endParaRPr lang="en-US" altLang="ko-KR" dirty="0"/>
-          </a:p>
-          <a:p>
-            <a:r>
-              <a:rPr lang="ko-KR" altLang="en-US" b="1" dirty="0" err="1"/>
-              <a:t>cd</a:t>
-            </a:r>
-            <a:r>
-              <a:rPr lang="ko-KR" altLang="en-US" b="1" dirty="0"/>
-              <a:t> C:\Users\toron\Desktop\cursor AI2</a:t>
-            </a:r>
-          </a:p>
-          <a:p>
-            <a:r>
-              <a:rPr lang="ko-KR" altLang="en-US" b="1" dirty="0" err="1"/>
-              <a:t>python</a:t>
-            </a:r>
-            <a:r>
-              <a:rPr lang="ko-KR" altLang="en-US" b="1" dirty="0"/>
-              <a:t> yahooserver.py</a:t>
-            </a:r>
-          </a:p>
-          <a:p>
-            <a:endParaRPr lang="ko-KR" altLang="en-US" b="1" dirty="0"/>
-          </a:p>
-          <a:p>
-            <a:r>
-              <a:rPr lang="ko-KR" altLang="en-US" b="1" dirty="0" err="1"/>
-              <a:t>cd</a:t>
-            </a:r>
-            <a:r>
-              <a:rPr lang="ko-KR" altLang="en-US" b="1" dirty="0"/>
-              <a:t> C:\Users\toron\Desktop\cursor AI2</a:t>
-            </a:r>
-          </a:p>
-          <a:p>
-            <a:r>
-              <a:rPr lang="ko-KR" altLang="en-US" b="1" dirty="0" err="1"/>
-              <a:t>node</a:t>
-            </a:r>
-            <a:r>
-              <a:rPr lang="ko-KR" altLang="en-US" b="1" dirty="0"/>
-              <a:t> server.js</a:t>
-            </a:r>
-          </a:p>
-          <a:p>
-            <a:endParaRPr lang="ko-KR" altLang="en-US" b="1" dirty="0"/>
-          </a:p>
-          <a:p>
-            <a:r>
-              <a:rPr lang="ko-KR" altLang="en-US" b="1" dirty="0" err="1"/>
-              <a:t>cd</a:t>
-            </a:r>
-            <a:r>
-              <a:rPr lang="ko-KR" altLang="en-US" b="1" dirty="0"/>
-              <a:t> C:\Users\toron\Desktop\cursor AI2</a:t>
-            </a:r>
-          </a:p>
-          <a:p>
-            <a:r>
-              <a:rPr lang="ko-KR" altLang="en-US" b="1" dirty="0" err="1"/>
-              <a:t>python</a:t>
-            </a:r>
-            <a:r>
-              <a:rPr lang="ko-KR" altLang="en-US" b="1" dirty="0"/>
-              <a:t> -</a:t>
-            </a:r>
-            <a:r>
-              <a:rPr lang="ko-KR" altLang="en-US" b="1" dirty="0" err="1"/>
-              <a:t>m</a:t>
-            </a:r>
-            <a:r>
-              <a:rPr lang="ko-KR" altLang="en-US" b="1" dirty="0"/>
-              <a:t> </a:t>
-            </a:r>
-            <a:r>
-              <a:rPr lang="ko-KR" altLang="en-US" b="1" dirty="0" err="1"/>
-              <a:t>http.server</a:t>
-            </a:r>
-            <a:r>
-              <a:rPr lang="ko-KR" altLang="en-US" b="1" dirty="0"/>
-              <a:t> 8000</a:t>
-            </a:r>
-          </a:p>
-        </p:txBody>
-      </p:sp>
-      <p:pic>
-        <p:nvPicPr>
-          <p:cNvPr id="13" name="그림 12">
-            <a:extLst>
-              <a:ext uri="{FF2B5EF4-FFF2-40B4-BE49-F238E27FC236}">
-                <a16:creationId xmlns:a16="http://schemas.microsoft.com/office/drawing/2014/main" id="{82CBCFC7-D7CF-A933-EE60-3BA46D91D756}"/>
-              </a:ext>
-            </a:extLst>
-          </p:cNvPr>
-          <p:cNvPicPr>
-            <a:picLocks noChangeAspect="1"/>
-          </p:cNvPicPr>
-          <p:nvPr/>
-        </p:nvPicPr>
-        <p:blipFill>
-          <a:blip r:embed="rId3"/>
-          <a:stretch>
-            <a:fillRect/>
-          </a:stretch>
-        </p:blipFill>
-        <p:spPr>
-          <a:xfrm>
-            <a:off x="5217230" y="1103086"/>
-            <a:ext cx="4370111" cy="6858000"/>
-          </a:xfrm>
-          <a:prstGeom prst="rect">
-            <a:avLst/>
-          </a:prstGeom>
-        </p:spPr>
-      </p:pic>
+        </p:nvGrpSpPr>
+        <p:grpSpPr>
+          <a:xfrm>
+            <a:off x="5706922" y="597353"/>
+            <a:ext cx="4848225" cy="7620000"/>
+            <a:chOff x="10101941" y="597353"/>
+            <a:chExt cx="4848225" cy="7620000"/>
+          </a:xfrm>
+        </p:grpSpPr>
+        <p:pic>
+          <p:nvPicPr>
+            <p:cNvPr id="12" name="그림 11">
+              <a:extLst>
+                <a:ext uri="{FF2B5EF4-FFF2-40B4-BE49-F238E27FC236}">
+                  <a16:creationId xmlns:a16="http://schemas.microsoft.com/office/drawing/2014/main" id="{478986E8-C52E-7F59-2AA3-302484B52A8A}"/>
+                </a:ext>
+              </a:extLst>
+            </p:cNvPr>
+            <p:cNvPicPr>
+              <a:picLocks noChangeAspect="1"/>
+            </p:cNvPicPr>
+            <p:nvPr/>
+          </p:nvPicPr>
+          <p:blipFill>
+            <a:blip r:embed="rId3"/>
+            <a:stretch>
+              <a:fillRect/>
+            </a:stretch>
+          </p:blipFill>
+          <p:spPr>
+            <a:xfrm>
+              <a:off x="10101941" y="597353"/>
+              <a:ext cx="4848225" cy="5391150"/>
+            </a:xfrm>
+            <a:prstGeom prst="rect">
+              <a:avLst/>
+            </a:prstGeom>
+          </p:spPr>
+        </p:pic>
+        <p:pic>
+          <p:nvPicPr>
+            <p:cNvPr id="14" name="그림 13">
+              <a:extLst>
+                <a:ext uri="{FF2B5EF4-FFF2-40B4-BE49-F238E27FC236}">
+                  <a16:creationId xmlns:a16="http://schemas.microsoft.com/office/drawing/2014/main" id="{CC7C3324-6DD6-9CF9-E7DC-6EE2ACDE059C}"/>
+                </a:ext>
+              </a:extLst>
+            </p:cNvPr>
+            <p:cNvPicPr>
+              <a:picLocks noChangeAspect="1"/>
+            </p:cNvPicPr>
+            <p:nvPr/>
+          </p:nvPicPr>
+          <p:blipFill>
+            <a:blip r:embed="rId4"/>
+            <a:stretch>
+              <a:fillRect/>
+            </a:stretch>
+          </p:blipFill>
+          <p:spPr>
+            <a:xfrm>
+              <a:off x="10101941" y="5988503"/>
+              <a:ext cx="3886200" cy="2228850"/>
+            </a:xfrm>
+            <a:prstGeom prst="rect">
+              <a:avLst/>
+            </a:prstGeom>
+          </p:spPr>
+        </p:pic>
+      </p:grpSp>
     </p:spTree>
     <p:extLst>
       <p:ext uri="{BB962C8B-B14F-4D97-AF65-F5344CB8AC3E}">
-        <p14:creationId xmlns:p14="http://schemas.microsoft.com/office/powerpoint/2010/main" val="3512822713"/>
+        <p14:creationId xmlns:p14="http://schemas.microsoft.com/office/powerpoint/2010/main" val="1822338738"/>
       </p:ext>
     </p:extLst>
   </p:cSld>
